--- a/Capstone Project – The Battle of Neighborhoods.pptx
+++ b/Capstone Project – The Battle of Neighborhoods.pptx
@@ -107,6 +107,11 @@
       </a:defRPr>
     </a:lvl9pPr>
   </p:defaultTextStyle>
+  <p:extLst>
+    <p:ext uri="{EFAFB233-063F-42B5-8137-9DF3F51BA10A}">
+      <p15:sldGuideLst xmlns:p15="http://schemas.microsoft.com/office/powerpoint/2012/main"/>
+    </p:ext>
+  </p:extLst>
 </p:presentation>
 </file>
 
@@ -241,7 +246,7 @@
           <a:p>
             <a:fld id="{1B42E7BA-40F2-4320-ABE0-607D9415F3F7}" type="datetimeFigureOut">
               <a:rPr lang="en-SG" smtClean="0"/>
-              <a:t>24/1/2020</a:t>
+              <a:t>27/1/2020</a:t>
             </a:fld>
             <a:endParaRPr lang="en-SG"/>
           </a:p>
@@ -411,7 +416,7 @@
           <a:p>
             <a:fld id="{1B42E7BA-40F2-4320-ABE0-607D9415F3F7}" type="datetimeFigureOut">
               <a:rPr lang="en-SG" smtClean="0"/>
-              <a:t>24/1/2020</a:t>
+              <a:t>27/1/2020</a:t>
             </a:fld>
             <a:endParaRPr lang="en-SG"/>
           </a:p>
@@ -591,7 +596,7 @@
           <a:p>
             <a:fld id="{1B42E7BA-40F2-4320-ABE0-607D9415F3F7}" type="datetimeFigureOut">
               <a:rPr lang="en-SG" smtClean="0"/>
-              <a:t>24/1/2020</a:t>
+              <a:t>27/1/2020</a:t>
             </a:fld>
             <a:endParaRPr lang="en-SG"/>
           </a:p>
@@ -761,7 +766,7 @@
           <a:p>
             <a:fld id="{1B42E7BA-40F2-4320-ABE0-607D9415F3F7}" type="datetimeFigureOut">
               <a:rPr lang="en-SG" smtClean="0"/>
-              <a:t>24/1/2020</a:t>
+              <a:t>27/1/2020</a:t>
             </a:fld>
             <a:endParaRPr lang="en-SG"/>
           </a:p>
@@ -1007,7 +1012,7 @@
           <a:p>
             <a:fld id="{1B42E7BA-40F2-4320-ABE0-607D9415F3F7}" type="datetimeFigureOut">
               <a:rPr lang="en-SG" smtClean="0"/>
-              <a:t>24/1/2020</a:t>
+              <a:t>27/1/2020</a:t>
             </a:fld>
             <a:endParaRPr lang="en-SG"/>
           </a:p>
@@ -1239,7 +1244,7 @@
           <a:p>
             <a:fld id="{1B42E7BA-40F2-4320-ABE0-607D9415F3F7}" type="datetimeFigureOut">
               <a:rPr lang="en-SG" smtClean="0"/>
-              <a:t>24/1/2020</a:t>
+              <a:t>27/1/2020</a:t>
             </a:fld>
             <a:endParaRPr lang="en-SG"/>
           </a:p>
@@ -1606,7 +1611,7 @@
           <a:p>
             <a:fld id="{1B42E7BA-40F2-4320-ABE0-607D9415F3F7}" type="datetimeFigureOut">
               <a:rPr lang="en-SG" smtClean="0"/>
-              <a:t>24/1/2020</a:t>
+              <a:t>27/1/2020</a:t>
             </a:fld>
             <a:endParaRPr lang="en-SG"/>
           </a:p>
@@ -1724,7 +1729,7 @@
           <a:p>
             <a:fld id="{1B42E7BA-40F2-4320-ABE0-607D9415F3F7}" type="datetimeFigureOut">
               <a:rPr lang="en-SG" smtClean="0"/>
-              <a:t>24/1/2020</a:t>
+              <a:t>27/1/2020</a:t>
             </a:fld>
             <a:endParaRPr lang="en-SG"/>
           </a:p>
@@ -1819,7 +1824,7 @@
           <a:p>
             <a:fld id="{1B42E7BA-40F2-4320-ABE0-607D9415F3F7}" type="datetimeFigureOut">
               <a:rPr lang="en-SG" smtClean="0"/>
-              <a:t>24/1/2020</a:t>
+              <a:t>27/1/2020</a:t>
             </a:fld>
             <a:endParaRPr lang="en-SG"/>
           </a:p>
@@ -2096,7 +2101,7 @@
           <a:p>
             <a:fld id="{1B42E7BA-40F2-4320-ABE0-607D9415F3F7}" type="datetimeFigureOut">
               <a:rPr lang="en-SG" smtClean="0"/>
-              <a:t>24/1/2020</a:t>
+              <a:t>27/1/2020</a:t>
             </a:fld>
             <a:endParaRPr lang="en-SG"/>
           </a:p>
@@ -2349,7 +2354,7 @@
           <a:p>
             <a:fld id="{1B42E7BA-40F2-4320-ABE0-607D9415F3F7}" type="datetimeFigureOut">
               <a:rPr lang="en-SG" smtClean="0"/>
-              <a:t>24/1/2020</a:t>
+              <a:t>27/1/2020</a:t>
             </a:fld>
             <a:endParaRPr lang="en-SG"/>
           </a:p>
@@ -2562,7 +2567,7 @@
           <a:p>
             <a:fld id="{1B42E7BA-40F2-4320-ABE0-607D9415F3F7}" type="datetimeFigureOut">
               <a:rPr lang="en-SG" smtClean="0"/>
-              <a:t>24/1/2020</a:t>
+              <a:t>27/1/2020</a:t>
             </a:fld>
             <a:endParaRPr lang="en-SG"/>
           </a:p>
@@ -3020,7 +3025,19 @@
           <a:p>
             <a:r>
               <a:rPr lang="en-US" smtClean="0"/>
-              <a:t>Now that you have been equipped with the skills and the tools to use location data to explore a geographical location, over the course of two weeks, you will have the opportunity to be as creative as you want and come up with an idea to leverage the Foursquare location data to explore or compare neighborhoods or cities of your choice or to come up with a problem that you can use the Foursquare location data to solve. If you cannot think of an idea or a problem, here are some ideas to get you started:</a:t>
+              <a:t>Now that you have been equipped with the skills and the tools to use location data to explore a geographical location, over the course of two weeks, you will have the opportunity to be as creative as you want and come up with an idea to leverage the </a:t>
+            </a:r>
+            <a:r>
+              <a:rPr lang="en-US" u="sng" smtClean="0">
+                <a:solidFill>
+                  <a:srgbClr val="0000FF"/>
+                </a:solidFill>
+              </a:rPr>
+              <a:t>Foursquare location data </a:t>
+            </a:r>
+            <a:r>
+              <a:rPr lang="en-US" smtClean="0"/>
+              <a:t>to explore or compare neighborhoods or cities of your choice or to come up with a problem that you can use the Foursquare location data to solve. If you cannot think of an idea or a problem, here are some ideas to get you started:</a:t>
             </a:r>
           </a:p>
           <a:p>
@@ -3374,25 +3391,54 @@
           </a:p>
         </p:txBody>
       </p:sp>
-      <p:sp>
-        <p:nvSpPr>
-          <p:cNvPr id="3" name="Content Placeholder 2"/>
-          <p:cNvSpPr>
-            <a:spLocks noGrp="1"/>
-          </p:cNvSpPr>
-          <p:nvPr>
-            <p:ph idx="1"/>
-          </p:nvPr>
-        </p:nvSpPr>
-        <p:spPr/>
-        <p:txBody>
-          <a:bodyPr/>
-          <a:lstStyle/>
-          <a:p>
-            <a:endParaRPr lang="en-SG"/>
-          </a:p>
-        </p:txBody>
-      </p:sp>
+      <p:pic>
+        <p:nvPicPr>
+          <p:cNvPr id="4" name="Picture 3"/>
+          <p:cNvPicPr>
+            <a:picLocks noChangeAspect="1"/>
+          </p:cNvPicPr>
+          <p:nvPr/>
+        </p:nvPicPr>
+        <p:blipFill>
+          <a:blip r:embed="rId2"/>
+          <a:stretch>
+            <a:fillRect/>
+          </a:stretch>
+        </p:blipFill>
+        <p:spPr>
+          <a:xfrm>
+            <a:off x="838200" y="1690688"/>
+            <a:ext cx="6635144" cy="4432206"/>
+          </a:xfrm>
+          <a:prstGeom prst="rect">
+            <a:avLst/>
+          </a:prstGeom>
+        </p:spPr>
+      </p:pic>
+      <p:pic>
+        <p:nvPicPr>
+          <p:cNvPr id="5" name="Picture 4"/>
+          <p:cNvPicPr>
+            <a:picLocks noChangeAspect="1"/>
+          </p:cNvPicPr>
+          <p:nvPr/>
+        </p:nvPicPr>
+        <p:blipFill>
+          <a:blip r:embed="rId3"/>
+          <a:stretch>
+            <a:fillRect/>
+          </a:stretch>
+        </p:blipFill>
+        <p:spPr>
+          <a:xfrm>
+            <a:off x="7364013" y="2672719"/>
+            <a:ext cx="4635738" cy="2749691"/>
+          </a:xfrm>
+          <a:prstGeom prst="rect">
+            <a:avLst/>
+          </a:prstGeom>
+        </p:spPr>
+      </p:pic>
     </p:spTree>
     <p:extLst>
       <p:ext uri="{BB962C8B-B14F-4D97-AF65-F5344CB8AC3E}">
